--- a/IROS17/pictures/pdf/twoRobotRegionH.pptx
+++ b/IROS17/pictures/pdf/twoRobotRegionH.pptx
@@ -288,7 +288,7 @@
           <a:p>
             <a:fld id="{F6D6B451-1FDA-7B46-B0DD-5E4B6F79F8BF}" type="datetimeFigureOut">
               <a:rPr lang="en-US" smtClean="0"/>
-              <a:t>2/24/17</a:t>
+              <a:t>2/27/17</a:t>
             </a:fld>
             <a:endParaRPr lang="en-US"/>
           </a:p>
@@ -458,7 +458,7 @@
           <a:p>
             <a:fld id="{F6D6B451-1FDA-7B46-B0DD-5E4B6F79F8BF}" type="datetimeFigureOut">
               <a:rPr lang="en-US" smtClean="0"/>
-              <a:t>2/24/17</a:t>
+              <a:t>2/27/17</a:t>
             </a:fld>
             <a:endParaRPr lang="en-US"/>
           </a:p>
@@ -638,7 +638,7 @@
           <a:p>
             <a:fld id="{F6D6B451-1FDA-7B46-B0DD-5E4B6F79F8BF}" type="datetimeFigureOut">
               <a:rPr lang="en-US" smtClean="0"/>
-              <a:t>2/24/17</a:t>
+              <a:t>2/27/17</a:t>
             </a:fld>
             <a:endParaRPr lang="en-US"/>
           </a:p>
@@ -808,7 +808,7 @@
           <a:p>
             <a:fld id="{F6D6B451-1FDA-7B46-B0DD-5E4B6F79F8BF}" type="datetimeFigureOut">
               <a:rPr lang="en-US" smtClean="0"/>
-              <a:t>2/24/17</a:t>
+              <a:t>2/27/17</a:t>
             </a:fld>
             <a:endParaRPr lang="en-US"/>
           </a:p>
@@ -1054,7 +1054,7 @@
           <a:p>
             <a:fld id="{F6D6B451-1FDA-7B46-B0DD-5E4B6F79F8BF}" type="datetimeFigureOut">
               <a:rPr lang="en-US" smtClean="0"/>
-              <a:t>2/24/17</a:t>
+              <a:t>2/27/17</a:t>
             </a:fld>
             <a:endParaRPr lang="en-US"/>
           </a:p>
@@ -1342,7 +1342,7 @@
           <a:p>
             <a:fld id="{F6D6B451-1FDA-7B46-B0DD-5E4B6F79F8BF}" type="datetimeFigureOut">
               <a:rPr lang="en-US" smtClean="0"/>
-              <a:t>2/24/17</a:t>
+              <a:t>2/27/17</a:t>
             </a:fld>
             <a:endParaRPr lang="en-US"/>
           </a:p>
@@ -1769,7 +1769,7 @@
           <a:p>
             <a:fld id="{F6D6B451-1FDA-7B46-B0DD-5E4B6F79F8BF}" type="datetimeFigureOut">
               <a:rPr lang="en-US" smtClean="0"/>
-              <a:t>2/24/17</a:t>
+              <a:t>2/27/17</a:t>
             </a:fld>
             <a:endParaRPr lang="en-US"/>
           </a:p>
@@ -1887,7 +1887,7 @@
           <a:p>
             <a:fld id="{F6D6B451-1FDA-7B46-B0DD-5E4B6F79F8BF}" type="datetimeFigureOut">
               <a:rPr lang="en-US" smtClean="0"/>
-              <a:t>2/24/17</a:t>
+              <a:t>2/27/17</a:t>
             </a:fld>
             <a:endParaRPr lang="en-US"/>
           </a:p>
@@ -1982,7 +1982,7 @@
           <a:p>
             <a:fld id="{F6D6B451-1FDA-7B46-B0DD-5E4B6F79F8BF}" type="datetimeFigureOut">
               <a:rPr lang="en-US" smtClean="0"/>
-              <a:t>2/24/17</a:t>
+              <a:t>2/27/17</a:t>
             </a:fld>
             <a:endParaRPr lang="en-US"/>
           </a:p>
@@ -2259,7 +2259,7 @@
           <a:p>
             <a:fld id="{F6D6B451-1FDA-7B46-B0DD-5E4B6F79F8BF}" type="datetimeFigureOut">
               <a:rPr lang="en-US" smtClean="0"/>
-              <a:t>2/24/17</a:t>
+              <a:t>2/27/17</a:t>
             </a:fld>
             <a:endParaRPr lang="en-US"/>
           </a:p>
@@ -2512,7 +2512,7 @@
           <a:p>
             <a:fld id="{F6D6B451-1FDA-7B46-B0DD-5E4B6F79F8BF}" type="datetimeFigureOut">
               <a:rPr lang="en-US" smtClean="0"/>
-              <a:t>2/24/17</a:t>
+              <a:t>2/27/17</a:t>
             </a:fld>
             <a:endParaRPr lang="en-US"/>
           </a:p>
@@ -2725,7 +2725,7 @@
           <a:p>
             <a:fld id="{F6D6B451-1FDA-7B46-B0DD-5E4B6F79F8BF}" type="datetimeFigureOut">
               <a:rPr lang="en-US" smtClean="0"/>
-              <a:t>2/24/17</a:t>
+              <a:t>2/27/17</a:t>
             </a:fld>
             <a:endParaRPr lang="en-US"/>
           </a:p>
@@ -3102,7 +3102,7 @@
       </p:grpSpPr>
       <p:pic>
         <p:nvPicPr>
-          <p:cNvPr id="5" name="Picture 4" descr="AchievableRange.png"/>
+          <p:cNvPr id="2" name="Picture 1" descr="Horizontal.pdf"/>
           <p:cNvPicPr>
             <a:picLocks noChangeAspect="1"/>
           </p:cNvPicPr>
@@ -3122,8 +3122,8 @@
         </p:blipFill>
         <p:spPr>
           <a:xfrm>
-            <a:off x="0" y="0"/>
-            <a:ext cx="6858000" cy="6858000"/>
+            <a:off x="0" y="7284"/>
+            <a:ext cx="6858000" cy="6840898"/>
           </a:xfrm>
           <a:prstGeom prst="rect">
             <a:avLst/>
@@ -3138,7 +3138,7 @@
         </p:nvCxnSpPr>
         <p:spPr>
           <a:xfrm>
-            <a:off x="181428" y="4082144"/>
+            <a:off x="181428" y="5174344"/>
             <a:ext cx="6477000" cy="0"/>
           </a:xfrm>
           <a:prstGeom prst="line">
@@ -3171,8 +3171,8 @@
         </p:nvSpPr>
         <p:spPr>
           <a:xfrm>
-            <a:off x="206010" y="4114506"/>
-            <a:ext cx="6477000" cy="2594427"/>
+            <a:off x="206010" y="5232400"/>
+            <a:ext cx="6452418" cy="1476533"/>
           </a:xfrm>
           <a:prstGeom prst="rect">
             <a:avLst/>
@@ -3285,7 +3285,7 @@
         </p:nvSpPr>
         <p:spPr>
           <a:xfrm>
-            <a:off x="3841750" y="5231745"/>
+            <a:off x="4948237" y="4335489"/>
             <a:ext cx="762000" cy="523220"/>
           </a:xfrm>
           <a:prstGeom prst="rect">
@@ -3315,7 +3315,7 @@
         </p:nvSpPr>
         <p:spPr>
           <a:xfrm>
-            <a:off x="754062" y="4413250"/>
+            <a:off x="468312" y="5369429"/>
             <a:ext cx="4651375" cy="646331"/>
           </a:xfrm>
           <a:prstGeom prst="rect">
@@ -3345,7 +3345,7 @@
         </p:nvCxnSpPr>
         <p:spPr>
           <a:xfrm>
-            <a:off x="181428" y="2904470"/>
+            <a:off x="181428" y="2828270"/>
             <a:ext cx="2612572" cy="0"/>
           </a:xfrm>
           <a:prstGeom prst="straightConnector1">
@@ -3481,6 +3481,13 @@
   <p:clrMapOvr>
     <a:masterClrMapping/>
   </p:clrMapOvr>
+  <p:timing>
+    <p:tnLst>
+      <p:par>
+        <p:cTn xmlns:p14="http://schemas.microsoft.com/office/powerpoint/2010/main" id="1" dur="indefinite" restart="never" nodeType="tmRoot"/>
+      </p:par>
+    </p:tnLst>
+  </p:timing>
 </p:sld>
 </file>
 

--- a/IROS17/pictures/pdf/twoRobotRegionH.pptx
+++ b/IROS17/pictures/pdf/twoRobotRegionH.pptx
@@ -3256,7 +3256,7 @@
         <p:spPr>
           <a:xfrm>
             <a:off x="3079750" y="2381250"/>
-            <a:ext cx="762000" cy="523220"/>
+            <a:ext cx="762000" cy="830997"/>
           </a:xfrm>
           <a:prstGeom prst="rect">
             <a:avLst/>
@@ -3270,10 +3270,23 @@
           <a:lstStyle/>
           <a:p>
             <a:r>
-              <a:rPr lang="en-US" sz="2800" dirty="0" smtClean="0"/>
-              <a:t>s1</a:t>
-            </a:r>
-            <a:endParaRPr lang="en-US" sz="2800" dirty="0"/>
+              <a:rPr lang="en-US" sz="4800" b="1" i="1" dirty="0">
+                <a:latin typeface="Times New Roman"/>
+                <a:cs typeface="Times New Roman"/>
+              </a:rPr>
+              <a:t>r</a:t>
+            </a:r>
+            <a:r>
+              <a:rPr lang="en-US" sz="4800" b="1" i="1" baseline="-25000" dirty="0" smtClean="0">
+                <a:latin typeface="Times New Roman"/>
+                <a:cs typeface="Times New Roman"/>
+              </a:rPr>
+              <a:t>1</a:t>
+            </a:r>
+            <a:endParaRPr lang="en-US" sz="4800" b="1" i="1" baseline="-25000" dirty="0">
+              <a:latin typeface="Times New Roman"/>
+              <a:cs typeface="Times New Roman"/>
+            </a:endParaRPr>
           </a:p>
         </p:txBody>
       </p:sp>
@@ -3285,8 +3298,8 @@
         </p:nvSpPr>
         <p:spPr>
           <a:xfrm>
-            <a:off x="4948237" y="4335489"/>
-            <a:ext cx="762000" cy="523220"/>
+            <a:off x="4714874" y="4132289"/>
+            <a:ext cx="762000" cy="830997"/>
           </a:xfrm>
           <a:prstGeom prst="rect">
             <a:avLst/>
@@ -3300,10 +3313,23 @@
           <a:lstStyle/>
           <a:p>
             <a:r>
-              <a:rPr lang="en-US" sz="2800" dirty="0" smtClean="0"/>
-              <a:t>s2</a:t>
-            </a:r>
-            <a:endParaRPr lang="en-US" sz="2800" dirty="0"/>
+              <a:rPr lang="en-US" sz="4800" b="1" i="1" dirty="0">
+                <a:latin typeface="Times New Roman"/>
+                <a:cs typeface="Times New Roman"/>
+              </a:rPr>
+              <a:t>r</a:t>
+            </a:r>
+            <a:r>
+              <a:rPr lang="en-US" sz="4800" b="1" i="1" baseline="-25000" dirty="0" smtClean="0">
+                <a:latin typeface="Times New Roman"/>
+                <a:cs typeface="Times New Roman"/>
+              </a:rPr>
+              <a:t>2</a:t>
+            </a:r>
+            <a:endParaRPr lang="en-US" sz="4800" b="1" i="1" baseline="-25000" dirty="0">
+              <a:latin typeface="Times New Roman"/>
+              <a:cs typeface="Times New Roman"/>
+            </a:endParaRPr>
           </a:p>
         </p:txBody>
       </p:sp>
@@ -3315,8 +3341,8 @@
         </p:nvSpPr>
         <p:spPr>
           <a:xfrm>
-            <a:off x="468312" y="5369429"/>
-            <a:ext cx="4651375" cy="646331"/>
+            <a:off x="36512" y="5147992"/>
+            <a:ext cx="5241925" cy="830997"/>
           </a:xfrm>
           <a:prstGeom prst="rect">
             <a:avLst/>
@@ -3330,10 +3356,30 @@
           <a:lstStyle/>
           <a:p>
             <a:r>
-              <a:rPr lang="en-US" sz="3600" dirty="0" smtClean="0"/>
-              <a:t>Reachable set for s1</a:t>
-            </a:r>
-            <a:endParaRPr lang="en-US" sz="3600" dirty="0"/>
+              <a:rPr lang="en-US" sz="4800" dirty="0" smtClean="0">
+                <a:latin typeface="Times New Roman"/>
+                <a:cs typeface="Times New Roman"/>
+              </a:rPr>
+              <a:t>Reachable set for </a:t>
+            </a:r>
+            <a:r>
+              <a:rPr lang="en-US" sz="4800" i="1" dirty="0" smtClean="0">
+                <a:latin typeface="Times New Roman"/>
+                <a:cs typeface="Times New Roman"/>
+              </a:rPr>
+              <a:t>r</a:t>
+            </a:r>
+            <a:r>
+              <a:rPr lang="en-US" sz="4800" i="1" baseline="-25000" dirty="0" smtClean="0">
+                <a:latin typeface="Times New Roman"/>
+                <a:cs typeface="Times New Roman"/>
+              </a:rPr>
+              <a:t>1</a:t>
+            </a:r>
+            <a:endParaRPr lang="en-US" sz="4800" i="1" baseline="-25000" dirty="0">
+              <a:latin typeface="Times New Roman"/>
+              <a:cs typeface="Times New Roman"/>
+            </a:endParaRPr>
           </a:p>
         </p:txBody>
       </p:sp>
@@ -3382,8 +3428,8 @@
         </p:nvSpPr>
         <p:spPr>
           <a:xfrm>
-            <a:off x="1031875" y="2286000"/>
-            <a:ext cx="1158875" cy="523220"/>
+            <a:off x="1031875" y="1981200"/>
+            <a:ext cx="1158875" cy="830997"/>
           </a:xfrm>
           <a:prstGeom prst="rect">
             <a:avLst/>
@@ -3397,10 +3443,30 @@
           <a:lstStyle/>
           <a:p>
             <a:r>
-              <a:rPr lang="en-US" sz="2800" dirty="0" smtClean="0"/>
-              <a:t>s1.x</a:t>
-            </a:r>
-            <a:endParaRPr lang="en-US" sz="2800" dirty="0"/>
+              <a:rPr lang="en-US" sz="4800" i="1" dirty="0">
+                <a:latin typeface="Times New Roman"/>
+                <a:cs typeface="Times New Roman"/>
+              </a:rPr>
+              <a:t>r</a:t>
+            </a:r>
+            <a:r>
+              <a:rPr lang="en-US" sz="4800" i="1" baseline="-25000" dirty="0" smtClean="0">
+                <a:latin typeface="Times New Roman"/>
+                <a:cs typeface="Times New Roman"/>
+              </a:rPr>
+              <a:t>1</a:t>
+            </a:r>
+            <a:r>
+              <a:rPr lang="en-US" sz="4800" i="1" dirty="0" smtClean="0">
+                <a:latin typeface="Times New Roman"/>
+                <a:cs typeface="Times New Roman"/>
+              </a:rPr>
+              <a:t>.x</a:t>
+            </a:r>
+            <a:endParaRPr lang="en-US" sz="4800" i="1" dirty="0">
+              <a:latin typeface="Times New Roman"/>
+              <a:cs typeface="Times New Roman"/>
+            </a:endParaRPr>
           </a:p>
         </p:txBody>
       </p:sp>
@@ -3449,8 +3515,8 @@
         </p:nvSpPr>
         <p:spPr>
           <a:xfrm>
-            <a:off x="1143453" y="6001563"/>
-            <a:ext cx="1158875" cy="523220"/>
+            <a:off x="937531" y="5748225"/>
+            <a:ext cx="1936297" cy="830997"/>
           </a:xfrm>
           <a:prstGeom prst="rect">
             <a:avLst/>
@@ -3464,10 +3530,30 @@
           <a:lstStyle/>
           <a:p>
             <a:r>
-              <a:rPr lang="en-US" sz="2800" dirty="0" smtClean="0"/>
-              <a:t>s1.x</a:t>
-            </a:r>
-            <a:endParaRPr lang="en-US" sz="2800" dirty="0"/>
+              <a:rPr lang="en-US" sz="4800" i="1" dirty="0">
+                <a:latin typeface="Times New Roman"/>
+                <a:cs typeface="Times New Roman"/>
+              </a:rPr>
+              <a:t>r</a:t>
+            </a:r>
+            <a:r>
+              <a:rPr lang="en-US" sz="4800" i="1" baseline="-25000" dirty="0" smtClean="0">
+                <a:latin typeface="Times New Roman"/>
+                <a:cs typeface="Times New Roman"/>
+              </a:rPr>
+              <a:t>1</a:t>
+            </a:r>
+            <a:r>
+              <a:rPr lang="en-US" sz="4800" i="1" dirty="0" smtClean="0">
+                <a:latin typeface="Times New Roman"/>
+                <a:cs typeface="Times New Roman"/>
+              </a:rPr>
+              <a:t>.x</a:t>
+            </a:r>
+            <a:endParaRPr lang="en-US" sz="4800" i="1" dirty="0">
+              <a:latin typeface="Times New Roman"/>
+              <a:cs typeface="Times New Roman"/>
+            </a:endParaRPr>
           </a:p>
         </p:txBody>
       </p:sp>
